--- a/_PROMOCIJA/PREDSTAVITEV/BestBrew predstavitev.pptx
+++ b/_PROMOCIJA/PREDSTAVITEV/BestBrew predstavitev.pptx
@@ -19,21 +19,21 @@
   <p:notesSz cx="6858000" cy="9144000"/>
   <p:embeddedFontLst>
     <p:embeddedFont>
-      <p:font typeface="Lobster" panose="00000500000000000000" pitchFamily="2" charset="-18"/>
+      <p:font typeface="Lobster" panose="00000500000000000000" pitchFamily="2" charset="0"/>
       <p:regular r:id="rId12"/>
     </p:embeddedFont>
     <p:embeddedFont>
-      <p:font typeface="Oswald" panose="00000500000000000000" pitchFamily="2" charset="-18"/>
+      <p:font typeface="Oswald" panose="00000500000000000000" pitchFamily="2" charset="0"/>
       <p:regular r:id="rId13"/>
       <p:bold r:id="rId14"/>
     </p:embeddedFont>
     <p:embeddedFont>
-      <p:font typeface="Oswald SemiBold" panose="00000700000000000000" pitchFamily="2" charset="-18"/>
+      <p:font typeface="Oswald SemiBold" panose="00000700000000000000" pitchFamily="2" charset="0"/>
       <p:regular r:id="rId15"/>
       <p:bold r:id="rId16"/>
     </p:embeddedFont>
     <p:embeddedFont>
-      <p:font typeface="PT Serif" panose="020A0603040505020204" pitchFamily="18" charset="-18"/>
+      <p:font typeface="PT Serif" panose="020A0603040505020204" pitchFamily="18" charset="0"/>
       <p:regular r:id="rId17"/>
       <p:bold r:id="rId18"/>
       <p:italic r:id="rId19"/>
@@ -279,6 +279,11 @@
         <p15:guide id="1" orient="horz" pos="2712">
           <p15:clr>
             <a:srgbClr val="9AA0A6"/>
+          </p15:clr>
+        </p15:guide>
+        <p15:guide id="2" pos="2880">
+          <p15:clr>
+            <a:srgbClr val="A4A3A4"/>
           </p15:clr>
         </p15:guide>
       </p15:sldGuideLst>
@@ -7049,7 +7054,7 @@
               </a:spcAft>
               <a:buNone/>
             </a:pPr>
-            <a:endParaRPr lang="sl-SI"/>
+            <a:endParaRPr lang="sl-SI" dirty="0"/>
           </a:p>
           <a:p>
             <a:pPr marL="0" lvl="0" indent="0" algn="ctr" rtl="0">
@@ -7061,7 +7066,7 @@
               </a:spcAft>
               <a:buNone/>
             </a:pPr>
-            <a:endParaRPr lang="sl-SI"/>
+            <a:endParaRPr lang="sl-SI" dirty="0"/>
           </a:p>
           <a:p>
             <a:pPr marL="0" lvl="0" indent="0" algn="ctr" rtl="0">
@@ -7074,14 +7079,14 @@
               <a:buNone/>
             </a:pPr>
             <a:r>
-              <a:rPr lang="sl-SI"/>
+              <a:rPr lang="sl-SI" dirty="0"/>
               <a:t>Ekipa </a:t>
             </a:r>
             <a:r>
-              <a:rPr lang="sl-SI" err="1"/>
+              <a:rPr lang="sl-SI" dirty="0" err="1"/>
               <a:t>BestBrew</a:t>
             </a:r>
-            <a:endParaRPr lang="sl-SI"/>
+            <a:endParaRPr lang="sl-SI" dirty="0"/>
           </a:p>
           <a:p>
             <a:pPr marL="0" lvl="0" indent="0" algn="ctr" rtl="0">
@@ -7094,62 +7099,35 @@
               <a:buNone/>
             </a:pPr>
             <a:r>
-              <a:rPr lang="sl-SI"/>
-              <a:t>Nik </a:t>
+              <a:rPr lang="sl-SI" dirty="0"/>
+              <a:t>Nik Kac</a:t>
             </a:r>
             <a:r>
-              <a:rPr lang="sl-SI" err="1"/>
-              <a:t>Kac</a:t>
+              <a:rPr lang="en-GB" dirty="0"/>
+              <a:t> | </a:t>
             </a:r>
-            <a:endParaRPr lang="sl-SI"/>
-          </a:p>
-          <a:p>
-            <a:pPr marL="0" lvl="0" indent="0" algn="ctr" rtl="0">
-              <a:spcBef>
-                <a:spcPts val="0"/>
-              </a:spcBef>
-              <a:spcAft>
-                <a:spcPts val="0"/>
-              </a:spcAft>
-              <a:buNone/>
-            </a:pPr>
             <a:r>
-              <a:rPr lang="sl-SI"/>
+              <a:rPr lang="sl-SI" dirty="0"/>
               <a:t>Urban Vižintin</a:t>
             </a:r>
-          </a:p>
-          <a:p>
-            <a:pPr marL="0" lvl="0" indent="0" algn="ctr" rtl="0">
-              <a:spcBef>
-                <a:spcPts val="0"/>
-              </a:spcBef>
-              <a:spcAft>
-                <a:spcPts val="0"/>
-              </a:spcAft>
-              <a:buNone/>
-            </a:pPr>
             <a:r>
-              <a:rPr lang="sl-SI"/>
+              <a:rPr lang="en-GB" dirty="0"/>
+              <a:t> | </a:t>
+            </a:r>
+            <a:r>
+              <a:rPr lang="sl-SI" dirty="0"/>
               <a:t>Matic </a:t>
             </a:r>
             <a:r>
-              <a:rPr lang="sl-SI" err="1"/>
+              <a:rPr lang="sl-SI" dirty="0" err="1"/>
               <a:t>Absec</a:t>
             </a:r>
-            <a:endParaRPr lang="sl-SI"/>
-          </a:p>
-          <a:p>
-            <a:pPr marL="0" lvl="0" indent="0" algn="ctr" rtl="0">
-              <a:spcBef>
-                <a:spcPts val="0"/>
-              </a:spcBef>
-              <a:spcAft>
-                <a:spcPts val="0"/>
-              </a:spcAft>
-              <a:buNone/>
-            </a:pPr>
             <a:r>
-              <a:rPr lang="sl-SI"/>
+              <a:rPr lang="en-GB" dirty="0"/>
+              <a:t> | </a:t>
+            </a:r>
+            <a:r>
+              <a:rPr lang="sl-SI" dirty="0"/>
               <a:t>David Golež</a:t>
             </a:r>
           </a:p>
@@ -7163,7 +7141,7 @@
               </a:spcAft>
               <a:buNone/>
             </a:pPr>
-            <a:endParaRPr lang="sl-SI"/>
+            <a:endParaRPr lang="sl-SI" dirty="0"/>
           </a:p>
           <a:p>
             <a:pPr marL="0" lvl="0" indent="0" algn="ctr" rtl="0">
@@ -7175,22 +7153,7 @@
               </a:spcAft>
               <a:buNone/>
             </a:pPr>
-            <a:r>
-              <a:rPr lang="sl-SI"/>
-              <a:t>ITK 2021/22</a:t>
-            </a:r>
-          </a:p>
-          <a:p>
-            <a:pPr marL="0" lvl="0" indent="0" algn="ctr" rtl="0">
-              <a:spcBef>
-                <a:spcPts val="0"/>
-              </a:spcBef>
-              <a:spcAft>
-                <a:spcPts val="0"/>
-              </a:spcAft>
-              <a:buNone/>
-            </a:pPr>
-            <a:endParaRPr/>
+            <a:endParaRPr dirty="0"/>
           </a:p>
         </p:txBody>
       </p:sp>
@@ -8606,96 +8569,8 @@
               <a:buNone/>
             </a:pPr>
             <a:r>
-              <a:rPr lang="en" sz="1600" err="1"/>
-              <a:t>Poiščete</a:t>
-            </a:r>
-            <a:r>
-              <a:rPr lang="en" sz="1600"/>
-              <a:t> </a:t>
-            </a:r>
-            <a:r>
-              <a:rPr lang="en" sz="1600" err="1"/>
-              <a:t>lahko</a:t>
-            </a:r>
-            <a:r>
-              <a:rPr lang="en" sz="1600"/>
-              <a:t> </a:t>
-            </a:r>
-            <a:r>
-              <a:rPr lang="en" sz="1600" err="1"/>
-              <a:t>vaše</a:t>
-            </a:r>
-            <a:r>
-              <a:rPr lang="en" sz="1600"/>
-              <a:t> </a:t>
-            </a:r>
-            <a:r>
-              <a:rPr lang="en" sz="1600" err="1"/>
-              <a:t>najljubše</a:t>
-            </a:r>
-            <a:r>
-              <a:rPr lang="en" sz="1600"/>
-              <a:t> </a:t>
-            </a:r>
-            <a:r>
-              <a:rPr lang="en" sz="1600" err="1"/>
-              <a:t>piva</a:t>
-            </a:r>
-            <a:r>
-              <a:rPr lang="en" sz="1600"/>
-              <a:t> </a:t>
-            </a:r>
-            <a:r>
-              <a:rPr lang="en" sz="1600" err="1"/>
-              <a:t>ter</a:t>
-            </a:r>
-            <a:r>
-              <a:rPr lang="en" sz="1600"/>
-              <a:t> </a:t>
-            </a:r>
-            <a:r>
-              <a:rPr lang="en" sz="1600" err="1"/>
-              <a:t>jih</a:t>
-            </a:r>
-            <a:r>
-              <a:rPr lang="en" sz="1600"/>
-              <a:t> </a:t>
-            </a:r>
-            <a:r>
-              <a:rPr lang="en" sz="1600" err="1"/>
-              <a:t>dodate</a:t>
-            </a:r>
-            <a:r>
-              <a:rPr lang="en" sz="1600"/>
-              <a:t> </a:t>
-            </a:r>
-            <a:r>
-              <a:rPr lang="en" sz="1600" err="1"/>
-              <a:t>na</a:t>
-            </a:r>
-            <a:r>
-              <a:rPr lang="en" sz="1600"/>
-              <a:t> </a:t>
-            </a:r>
-            <a:r>
-              <a:rPr lang="en" sz="1600" err="1"/>
-              <a:t>vaš</a:t>
-            </a:r>
-            <a:r>
-              <a:rPr lang="en" sz="1600"/>
-              <a:t> </a:t>
-            </a:r>
-            <a:r>
-              <a:rPr lang="en" sz="1600" err="1"/>
-              <a:t>izbran</a:t>
-            </a:r>
-            <a:r>
-              <a:rPr lang="en" sz="1600"/>
-              <a:t> </a:t>
-            </a:r>
-            <a:r>
-              <a:rPr lang="en" sz="1600" err="1"/>
-              <a:t>seznam</a:t>
+              <a:rPr lang="en" sz="1600" dirty="0"/>
+              <a:t>Poiščete lahko vaša najljubše piva ter jih dodate na vaš izbran seznam</a:t>
             </a:r>
           </a:p>
         </p:txBody>
@@ -9055,7 +8930,7 @@
         </p:nvSpPr>
         <p:spPr>
           <a:xfrm>
-            <a:off x="2114700" y="1690600"/>
+            <a:off x="2114688" y="1826100"/>
             <a:ext cx="4914600" cy="2295300"/>
           </a:xfrm>
           <a:prstGeom prst="rect">
@@ -10338,6 +10213,21 @@
 </file>
 
 <file path=customXml/item1.xml><?xml version="1.0" encoding="utf-8"?>
+<?mso-contentType ?>
+<FormTemplates xmlns="http://schemas.microsoft.com/sharepoint/v3/contenttype/forms">
+  <Display>DocumentLibraryForm</Display>
+  <Edit>DocumentLibraryForm</Edit>
+  <New>DocumentLibraryForm</New>
+</FormTemplates>
+</file>
+
+<file path=customXml/item2.xml><?xml version="1.0" encoding="utf-8"?>
+<p:properties xmlns:p="http://schemas.microsoft.com/office/2006/metadata/properties" xmlns:xsi="http://www.w3.org/2001/XMLSchema-instance" xmlns:pc="http://schemas.microsoft.com/office/infopath/2007/PartnerControls">
+  <documentManagement/>
+</p:properties>
+</file>
+
+<file path=customXml/item3.xml><?xml version="1.0" encoding="utf-8"?>
 <ct:contentTypeSchema xmlns:ct="http://schemas.microsoft.com/office/2006/metadata/contentType" xmlns:ma="http://schemas.microsoft.com/office/2006/metadata/properties/metaAttributes" ct:_="" ma:_="" ma:contentTypeName="Dokument" ma:contentTypeID="0x0101005A04AE9EE9D60B468D3BC5DB5A2AA5FC" ma:contentTypeVersion="7" ma:contentTypeDescription="Ustvari nov dokument." ma:contentTypeScope="" ma:versionID="2f9755d6b3f00828fbf3b37b12fd0cad">
   <xsd:schema xmlns:xsd="http://www.w3.org/2001/XMLSchema" xmlns:xs="http://www.w3.org/2001/XMLSchema" xmlns:p="http://schemas.microsoft.com/office/2006/metadata/properties" xmlns:ns3="5e0da4bf-94c1-4ce3-9f5a-7fd65015dbbd" xmlns:ns4="fee3c249-f2ad-40b7-9286-374ff9fa40dc" targetNamespace="http://schemas.microsoft.com/office/2006/metadata/properties" ma:root="true" ma:fieldsID="fd3226bb53ec66fbc9ddf3cdd5423e0d" ns3:_="" ns4:_="">
     <xsd:import namespace="5e0da4bf-94c1-4ce3-9f5a-7fd65015dbbd"/>
@@ -10522,36 +10412,10 @@
 </ct:contentTypeSchema>
 </file>
 
-<file path=customXml/item2.xml><?xml version="1.0" encoding="utf-8"?>
-<p:properties xmlns:p="http://schemas.microsoft.com/office/2006/metadata/properties" xmlns:xsi="http://www.w3.org/2001/XMLSchema-instance" xmlns:pc="http://schemas.microsoft.com/office/infopath/2007/PartnerControls">
-  <documentManagement/>
-</p:properties>
-</file>
-
-<file path=customXml/item3.xml><?xml version="1.0" encoding="utf-8"?>
-<?mso-contentType ?>
-<FormTemplates xmlns="http://schemas.microsoft.com/sharepoint/v3/contenttype/forms">
-  <Display>DocumentLibraryForm</Display>
-  <Edit>DocumentLibraryForm</Edit>
-  <New>DocumentLibraryForm</New>
-</FormTemplates>
-</file>
-
 <file path=customXml/itemProps1.xml><?xml version="1.0" encoding="utf-8"?>
-<ds:datastoreItem xmlns:ds="http://schemas.openxmlformats.org/officeDocument/2006/customXml" ds:itemID="{9D30FEDF-D794-4692-BDD9-C78DAF0B4BDF}">
+<ds:datastoreItem xmlns:ds="http://schemas.openxmlformats.org/officeDocument/2006/customXml" ds:itemID="{250F6F6F-81F7-49CB-B359-AB9B1C29AC2D}">
   <ds:schemaRefs>
-    <ds:schemaRef ds:uri="5e0da4bf-94c1-4ce3-9f5a-7fd65015dbbd"/>
-    <ds:schemaRef ds:uri="fee3c249-f2ad-40b7-9286-374ff9fa40dc"/>
-    <ds:schemaRef ds:uri="http://purl.org/dc/elements/1.1/"/>
-    <ds:schemaRef ds:uri="http://purl.org/dc/terms/"/>
-    <ds:schemaRef ds:uri="http://schemas.microsoft.com/internal/obd"/>
-    <ds:schemaRef ds:uri="http://schemas.microsoft.com/office/2006/documentManagement/types"/>
-    <ds:schemaRef ds:uri="http://schemas.microsoft.com/office/2006/metadata/contentType"/>
-    <ds:schemaRef ds:uri="http://schemas.microsoft.com/office/2006/metadata/properties"/>
-    <ds:schemaRef ds:uri="http://schemas.microsoft.com/office/2006/metadata/properties/metaAttributes"/>
-    <ds:schemaRef ds:uri="http://schemas.microsoft.com/office/infopath/2007/PartnerControls"/>
-    <ds:schemaRef ds:uri="http://schemas.openxmlformats.org/package/2006/metadata/core-properties"/>
-    <ds:schemaRef ds:uri="http://www.w3.org/2001/XMLSchema"/>
+    <ds:schemaRef ds:uri="http://schemas.microsoft.com/sharepoint/v3/contenttype/forms"/>
   </ds:schemaRefs>
 </ds:datastoreItem>
 </file>
@@ -10574,9 +10438,20 @@
 </file>
 
 <file path=customXml/itemProps3.xml><?xml version="1.0" encoding="utf-8"?>
-<ds:datastoreItem xmlns:ds="http://schemas.openxmlformats.org/officeDocument/2006/customXml" ds:itemID="{250F6F6F-81F7-49CB-B359-AB9B1C29AC2D}">
+<ds:datastoreItem xmlns:ds="http://schemas.openxmlformats.org/officeDocument/2006/customXml" ds:itemID="{9D30FEDF-D794-4692-BDD9-C78DAF0B4BDF}">
   <ds:schemaRefs>
-    <ds:schemaRef ds:uri="http://schemas.microsoft.com/sharepoint/v3/contenttype/forms"/>
+    <ds:schemaRef ds:uri="5e0da4bf-94c1-4ce3-9f5a-7fd65015dbbd"/>
+    <ds:schemaRef ds:uri="fee3c249-f2ad-40b7-9286-374ff9fa40dc"/>
+    <ds:schemaRef ds:uri="http://purl.org/dc/elements/1.1/"/>
+    <ds:schemaRef ds:uri="http://purl.org/dc/terms/"/>
+    <ds:schemaRef ds:uri="http://schemas.microsoft.com/internal/obd"/>
+    <ds:schemaRef ds:uri="http://schemas.microsoft.com/office/2006/documentManagement/types"/>
+    <ds:schemaRef ds:uri="http://schemas.microsoft.com/office/2006/metadata/contentType"/>
+    <ds:schemaRef ds:uri="http://schemas.microsoft.com/office/2006/metadata/properties"/>
+    <ds:schemaRef ds:uri="http://schemas.microsoft.com/office/2006/metadata/properties/metaAttributes"/>
+    <ds:schemaRef ds:uri="http://schemas.microsoft.com/office/infopath/2007/PartnerControls"/>
+    <ds:schemaRef ds:uri="http://schemas.openxmlformats.org/package/2006/metadata/core-properties"/>
+    <ds:schemaRef ds:uri="http://www.w3.org/2001/XMLSchema"/>
   </ds:schemaRefs>
 </ds:datastoreItem>
 </file>